--- a/_book/plot/ss-q14-boxplot-1.pptx
+++ b/_book/plot/ss-q14-boxplot-1.pptx
@@ -3158,7 +3158,7 @@
           <p:spPr>
             <a:xfrm>
               <a:off x="1952625" y="2299652"/>
-              <a:ext cx="3657599" cy="731519"/>
+              <a:ext cx="3657600" cy="731519"/>
             </a:xfrm>
             <a:prstGeom prst="rect">
               <a:avLst/>
@@ -3192,8 +3192,8 @@
           </p:nvSpPr>
           <p:spPr>
             <a:xfrm>
-              <a:off x="2246484" y="2369241"/>
-              <a:ext cx="3294151" cy="266035"/>
+              <a:off x="2244741" y="2369241"/>
+              <a:ext cx="3295894" cy="269732"/>
             </a:xfrm>
             <a:prstGeom prst="rect">
               <a:avLst/>
@@ -3218,15 +3218,15 @@
           </p:nvSpPr>
           <p:spPr>
             <a:xfrm>
-              <a:off x="2770554" y="2369241"/>
-              <a:ext cx="0" cy="266035"/>
+              <a:off x="2769088" y="2369241"/>
+              <a:ext cx="0" cy="269732"/>
             </a:xfrm>
             <a:custGeom>
               <a:avLst/>
               <a:pathLst>
-                <a:path w="0" h="266035">
+                <a:path w="0" h="269732">
                   <a:moveTo>
-                    <a:pt x="0" y="266035"/>
+                    <a:pt x="0" y="269732"/>
                   </a:moveTo>
                   <a:lnTo>
                     <a:pt x="0" y="0"/>
@@ -3261,15 +3261,15 @@
           </p:nvSpPr>
           <p:spPr>
             <a:xfrm>
-              <a:off x="3519224" y="2369241"/>
-              <a:ext cx="0" cy="266035"/>
+              <a:off x="3518155" y="2369241"/>
+              <a:ext cx="0" cy="269732"/>
             </a:xfrm>
             <a:custGeom>
               <a:avLst/>
               <a:pathLst>
-                <a:path w="0" h="266035">
+                <a:path w="0" h="269732">
                   <a:moveTo>
-                    <a:pt x="0" y="266035"/>
+                    <a:pt x="0" y="269732"/>
                   </a:moveTo>
                   <a:lnTo>
                     <a:pt x="0" y="0"/>
@@ -3304,15 +3304,15 @@
           </p:nvSpPr>
           <p:spPr>
             <a:xfrm>
-              <a:off x="4267895" y="2369241"/>
-              <a:ext cx="0" cy="266035"/>
+              <a:off x="4267222" y="2369241"/>
+              <a:ext cx="0" cy="269732"/>
             </a:xfrm>
             <a:custGeom>
               <a:avLst/>
               <a:pathLst>
-                <a:path w="0" h="266035">
+                <a:path w="0" h="269732">
                   <a:moveTo>
-                    <a:pt x="0" y="266035"/>
+                    <a:pt x="0" y="269732"/>
                   </a:moveTo>
                   <a:lnTo>
                     <a:pt x="0" y="0"/>
@@ -3347,15 +3347,15 @@
           </p:nvSpPr>
           <p:spPr>
             <a:xfrm>
-              <a:off x="5016566" y="2369241"/>
-              <a:ext cx="0" cy="266035"/>
+              <a:off x="5016289" y="2369241"/>
+              <a:ext cx="0" cy="269732"/>
             </a:xfrm>
             <a:custGeom>
               <a:avLst/>
               <a:pathLst>
-                <a:path w="0" h="266035">
+                <a:path w="0" h="269732">
                   <a:moveTo>
-                    <a:pt x="0" y="266035"/>
+                    <a:pt x="0" y="269732"/>
                   </a:moveTo>
                   <a:lnTo>
                     <a:pt x="0" y="0"/>
@@ -3390,21 +3390,21 @@
           </p:nvSpPr>
           <p:spPr>
             <a:xfrm>
-              <a:off x="2246484" y="2502259"/>
-              <a:ext cx="3294151" cy="0"/>
+              <a:off x="2244741" y="2504107"/>
+              <a:ext cx="3295894" cy="0"/>
             </a:xfrm>
             <a:custGeom>
               <a:avLst/>
               <a:pathLst>
-                <a:path w="3294151" h="0">
+                <a:path w="3295894" h="0">
                   <a:moveTo>
                     <a:pt x="0" y="0"/>
                   </a:moveTo>
                   <a:lnTo>
-                    <a:pt x="3294151" y="0"/>
-                  </a:lnTo>
-                  <a:lnTo>
-                    <a:pt x="3294151" y="0"/>
+                    <a:pt x="3295894" y="0"/>
+                  </a:lnTo>
+                  <a:lnTo>
+                    <a:pt x="3295894" y="0"/>
                   </a:lnTo>
                 </a:path>
               </a:pathLst>
@@ -3433,15 +3433,15 @@
           </p:nvSpPr>
           <p:spPr>
             <a:xfrm>
-              <a:off x="2396218" y="2369241"/>
-              <a:ext cx="0" cy="266035"/>
+              <a:off x="2394554" y="2369241"/>
+              <a:ext cx="0" cy="269732"/>
             </a:xfrm>
             <a:custGeom>
               <a:avLst/>
               <a:pathLst>
-                <a:path w="0" h="266035">
+                <a:path w="0" h="269732">
                   <a:moveTo>
-                    <a:pt x="0" y="266035"/>
+                    <a:pt x="0" y="269732"/>
                   </a:moveTo>
                   <a:lnTo>
                     <a:pt x="0" y="0"/>
@@ -3476,15 +3476,15 @@
           </p:nvSpPr>
           <p:spPr>
             <a:xfrm>
-              <a:off x="3144889" y="2369241"/>
-              <a:ext cx="0" cy="266035"/>
+              <a:off x="3143621" y="2369241"/>
+              <a:ext cx="0" cy="269732"/>
             </a:xfrm>
             <a:custGeom>
               <a:avLst/>
               <a:pathLst>
-                <a:path w="0" h="266035">
+                <a:path w="0" h="269732">
                   <a:moveTo>
-                    <a:pt x="0" y="266035"/>
+                    <a:pt x="0" y="269732"/>
                   </a:moveTo>
                   <a:lnTo>
                     <a:pt x="0" y="0"/>
@@ -3519,15 +3519,15 @@
           </p:nvSpPr>
           <p:spPr>
             <a:xfrm>
-              <a:off x="3893560" y="2369241"/>
-              <a:ext cx="0" cy="266035"/>
+              <a:off x="3892688" y="2369241"/>
+              <a:ext cx="0" cy="269732"/>
             </a:xfrm>
             <a:custGeom>
               <a:avLst/>
               <a:pathLst>
-                <a:path w="0" h="266035">
+                <a:path w="0" h="269732">
                   <a:moveTo>
-                    <a:pt x="0" y="266035"/>
+                    <a:pt x="0" y="269732"/>
                   </a:moveTo>
                   <a:lnTo>
                     <a:pt x="0" y="0"/>
@@ -3562,15 +3562,15 @@
           </p:nvSpPr>
           <p:spPr>
             <a:xfrm>
-              <a:off x="4642231" y="2369241"/>
-              <a:ext cx="0" cy="266035"/>
+              <a:off x="4641755" y="2369241"/>
+              <a:ext cx="0" cy="269732"/>
             </a:xfrm>
             <a:custGeom>
               <a:avLst/>
               <a:pathLst>
-                <a:path w="0" h="266035">
+                <a:path w="0" h="269732">
                   <a:moveTo>
-                    <a:pt x="0" y="266035"/>
+                    <a:pt x="0" y="269732"/>
                   </a:moveTo>
                   <a:lnTo>
                     <a:pt x="0" y="0"/>
@@ -3605,15 +3605,15 @@
           </p:nvSpPr>
           <p:spPr>
             <a:xfrm>
-              <a:off x="5390901" y="2369241"/>
-              <a:ext cx="0" cy="266035"/>
+              <a:off x="5390822" y="2369241"/>
+              <a:ext cx="0" cy="269732"/>
             </a:xfrm>
             <a:custGeom>
               <a:avLst/>
               <a:pathLst>
-                <a:path w="0" h="266035">
+                <a:path w="0" h="269732">
                   <a:moveTo>
-                    <a:pt x="0" y="266035"/>
+                    <a:pt x="0" y="269732"/>
                   </a:moveTo>
                   <a:lnTo>
                     <a:pt x="0" y="0"/>
@@ -3648,7 +3648,7 @@
           </p:nvSpPr>
           <p:spPr>
             <a:xfrm>
-              <a:off x="4925857" y="2477433"/>
+              <a:off x="4925545" y="2479282"/>
               <a:ext cx="49651" cy="49651"/>
             </a:xfrm>
             <a:prstGeom prst="ellipse">
@@ -3683,7 +3683,7 @@
           </p:nvSpPr>
           <p:spPr>
             <a:xfrm>
-              <a:off x="5111527" y="2477433"/>
+              <a:off x="5111313" y="2479282"/>
               <a:ext cx="49651" cy="49651"/>
             </a:xfrm>
             <a:prstGeom prst="ellipse">
@@ -3718,7 +3718,7 @@
           </p:nvSpPr>
           <p:spPr>
             <a:xfrm>
-              <a:off x="5366075" y="2477433"/>
+              <a:off x="5365996" y="2479282"/>
               <a:ext cx="49651" cy="49651"/>
             </a:xfrm>
             <a:prstGeom prst="ellipse">
@@ -3753,7 +3753,7 @@
           </p:nvSpPr>
           <p:spPr>
             <a:xfrm>
-              <a:off x="5366075" y="2477433"/>
+              <a:off x="5365996" y="2479282"/>
               <a:ext cx="49651" cy="49651"/>
             </a:xfrm>
             <a:prstGeom prst="ellipse">
@@ -3788,7 +3788,7 @@
           </p:nvSpPr>
           <p:spPr>
             <a:xfrm>
-              <a:off x="5186394" y="2477433"/>
+              <a:off x="5186220" y="2479282"/>
               <a:ext cx="49651" cy="49651"/>
             </a:xfrm>
             <a:prstGeom prst="ellipse">
@@ -3823,7 +3823,7 @@
           </p:nvSpPr>
           <p:spPr>
             <a:xfrm>
-              <a:off x="4991740" y="2477433"/>
+              <a:off x="4991463" y="2479282"/>
               <a:ext cx="49651" cy="49651"/>
             </a:xfrm>
             <a:prstGeom prst="ellipse">
@@ -3858,7 +3858,7 @@
           </p:nvSpPr>
           <p:spPr>
             <a:xfrm>
-              <a:off x="5366075" y="2477433"/>
+              <a:off x="5365996" y="2479282"/>
               <a:ext cx="49651" cy="49651"/>
             </a:xfrm>
             <a:prstGeom prst="ellipse">
@@ -3893,7 +3893,7 @@
           </p:nvSpPr>
           <p:spPr>
             <a:xfrm>
-              <a:off x="4991740" y="2477433"/>
+              <a:off x="4991463" y="2479282"/>
               <a:ext cx="49651" cy="49651"/>
             </a:xfrm>
             <a:prstGeom prst="ellipse">
@@ -3928,7 +3928,7 @@
           </p:nvSpPr>
           <p:spPr>
             <a:xfrm>
-              <a:off x="4991740" y="2477433"/>
+              <a:off x="4991463" y="2479282"/>
               <a:ext cx="49651" cy="49651"/>
             </a:xfrm>
             <a:prstGeom prst="ellipse">
@@ -3963,7 +3963,7 @@
           </p:nvSpPr>
           <p:spPr>
             <a:xfrm>
-              <a:off x="5366075" y="2477433"/>
+              <a:off x="5365996" y="2479282"/>
               <a:ext cx="49651" cy="49651"/>
             </a:xfrm>
             <a:prstGeom prst="ellipse">
@@ -3998,7 +3998,7 @@
           </p:nvSpPr>
           <p:spPr>
             <a:xfrm>
-              <a:off x="5366075" y="2477433"/>
+              <a:off x="5365996" y="2479282"/>
               <a:ext cx="49651" cy="49651"/>
             </a:xfrm>
             <a:prstGeom prst="ellipse">
@@ -4033,7 +4033,7 @@
           </p:nvSpPr>
           <p:spPr>
             <a:xfrm>
-              <a:off x="5366075" y="2477433"/>
+              <a:off x="5365996" y="2479282"/>
               <a:ext cx="49651" cy="49651"/>
             </a:xfrm>
             <a:prstGeom prst="ellipse">
@@ -4068,7 +4068,7 @@
           </p:nvSpPr>
           <p:spPr>
             <a:xfrm>
-              <a:off x="4632378" y="2477433"/>
+              <a:off x="4631910" y="2479282"/>
               <a:ext cx="49651" cy="49651"/>
             </a:xfrm>
             <a:prstGeom prst="ellipse">
@@ -4103,7 +4103,7 @@
           </p:nvSpPr>
           <p:spPr>
             <a:xfrm>
-              <a:off x="5216341" y="2477433"/>
+              <a:off x="5216183" y="2479282"/>
               <a:ext cx="49651" cy="49651"/>
             </a:xfrm>
             <a:prstGeom prst="ellipse">
@@ -4138,7 +4138,7 @@
           </p:nvSpPr>
           <p:spPr>
             <a:xfrm>
-              <a:off x="4991740" y="2477433"/>
+              <a:off x="4991463" y="2479282"/>
               <a:ext cx="49651" cy="49651"/>
             </a:xfrm>
             <a:prstGeom prst="ellipse">
@@ -4173,7 +4173,7 @@
           </p:nvSpPr>
           <p:spPr>
             <a:xfrm>
-              <a:off x="5366075" y="2477433"/>
+              <a:off x="5365996" y="2479282"/>
               <a:ext cx="49651" cy="49651"/>
             </a:xfrm>
             <a:prstGeom prst="ellipse">
@@ -4208,7 +4208,7 @@
           </p:nvSpPr>
           <p:spPr>
             <a:xfrm>
-              <a:off x="4991740" y="2477433"/>
+              <a:off x="4991463" y="2479282"/>
               <a:ext cx="49651" cy="49651"/>
             </a:xfrm>
             <a:prstGeom prst="ellipse">
@@ -4243,7 +4243,7 @@
           </p:nvSpPr>
           <p:spPr>
             <a:xfrm>
-              <a:off x="4991740" y="2477433"/>
+              <a:off x="4991463" y="2479282"/>
               <a:ext cx="49651" cy="49651"/>
             </a:xfrm>
             <a:prstGeom prst="ellipse">
@@ -4278,7 +4278,7 @@
           </p:nvSpPr>
           <p:spPr>
             <a:xfrm>
-              <a:off x="5366075" y="2477433"/>
+              <a:off x="5365996" y="2479282"/>
               <a:ext cx="49651" cy="49651"/>
             </a:xfrm>
             <a:prstGeom prst="ellipse">
@@ -4313,7 +4313,7 @@
           </p:nvSpPr>
           <p:spPr>
             <a:xfrm>
-              <a:off x="5366075" y="2477433"/>
+              <a:off x="5365996" y="2479282"/>
               <a:ext cx="49651" cy="49651"/>
             </a:xfrm>
             <a:prstGeom prst="ellipse">
@@ -4348,7 +4348,7 @@
           </p:nvSpPr>
           <p:spPr>
             <a:xfrm>
-              <a:off x="4991740" y="2477433"/>
+              <a:off x="4991463" y="2479282"/>
               <a:ext cx="49651" cy="49651"/>
             </a:xfrm>
             <a:prstGeom prst="ellipse">
@@ -4383,7 +4383,7 @@
           </p:nvSpPr>
           <p:spPr>
             <a:xfrm>
-              <a:off x="4991740" y="2477433"/>
+              <a:off x="4991463" y="2479282"/>
               <a:ext cx="49651" cy="49651"/>
             </a:xfrm>
             <a:prstGeom prst="ellipse">
@@ -4418,7 +4418,7 @@
           </p:nvSpPr>
           <p:spPr>
             <a:xfrm>
-              <a:off x="4991740" y="2477433"/>
+              <a:off x="4991463" y="2479282"/>
               <a:ext cx="49651" cy="49651"/>
             </a:xfrm>
             <a:prstGeom prst="ellipse">
@@ -4453,7 +4453,7 @@
           </p:nvSpPr>
           <p:spPr>
             <a:xfrm>
-              <a:off x="5216341" y="2477433"/>
+              <a:off x="5216183" y="2479282"/>
               <a:ext cx="49651" cy="49651"/>
             </a:xfrm>
             <a:prstGeom prst="ellipse">
@@ -4488,7 +4488,7 @@
           </p:nvSpPr>
           <p:spPr>
             <a:xfrm>
-              <a:off x="5366075" y="2477433"/>
+              <a:off x="5365996" y="2479282"/>
               <a:ext cx="49651" cy="49651"/>
             </a:xfrm>
             <a:prstGeom prst="ellipse">
@@ -4523,7 +4523,7 @@
           </p:nvSpPr>
           <p:spPr>
             <a:xfrm>
-              <a:off x="4991740" y="2477433"/>
+              <a:off x="4991463" y="2479282"/>
               <a:ext cx="49651" cy="49651"/>
             </a:xfrm>
             <a:prstGeom prst="ellipse">
@@ -4558,7 +4558,7 @@
           </p:nvSpPr>
           <p:spPr>
             <a:xfrm>
-              <a:off x="5366075" y="2477433"/>
+              <a:off x="5365996" y="2479282"/>
               <a:ext cx="49651" cy="49651"/>
             </a:xfrm>
             <a:prstGeom prst="ellipse">
@@ -4593,7 +4593,7 @@
           </p:nvSpPr>
           <p:spPr>
             <a:xfrm>
-              <a:off x="4654838" y="2477433"/>
+              <a:off x="4654382" y="2479282"/>
               <a:ext cx="49651" cy="49651"/>
             </a:xfrm>
             <a:prstGeom prst="ellipse">
@@ -4628,7 +4628,7 @@
           </p:nvSpPr>
           <p:spPr>
             <a:xfrm>
-              <a:off x="4991740" y="2477433"/>
+              <a:off x="4991463" y="2479282"/>
               <a:ext cx="49651" cy="49651"/>
             </a:xfrm>
             <a:prstGeom prst="ellipse">
@@ -4663,7 +4663,7 @@
           </p:nvSpPr>
           <p:spPr>
             <a:xfrm>
-              <a:off x="5366075" y="2477433"/>
+              <a:off x="5365996" y="2479282"/>
               <a:ext cx="49651" cy="49651"/>
             </a:xfrm>
             <a:prstGeom prst="ellipse">
@@ -4698,7 +4698,7 @@
           </p:nvSpPr>
           <p:spPr>
             <a:xfrm>
-              <a:off x="5366075" y="2477433"/>
+              <a:off x="5365996" y="2479282"/>
               <a:ext cx="49651" cy="49651"/>
             </a:xfrm>
             <a:prstGeom prst="ellipse">
@@ -4733,7 +4733,7 @@
           </p:nvSpPr>
           <p:spPr>
             <a:xfrm>
-              <a:off x="5291208" y="2477433"/>
+              <a:off x="5291089" y="2479282"/>
               <a:ext cx="49651" cy="49651"/>
             </a:xfrm>
             <a:prstGeom prst="ellipse">
@@ -4768,7 +4768,7 @@
           </p:nvSpPr>
           <p:spPr>
             <a:xfrm>
-              <a:off x="5366075" y="2477433"/>
+              <a:off x="5365996" y="2479282"/>
               <a:ext cx="49651" cy="49651"/>
             </a:xfrm>
             <a:prstGeom prst="ellipse">
@@ -4803,7 +4803,7 @@
           </p:nvSpPr>
           <p:spPr>
             <a:xfrm>
-              <a:off x="4991740" y="2477433"/>
+              <a:off x="4991463" y="2479282"/>
               <a:ext cx="49651" cy="49651"/>
             </a:xfrm>
             <a:prstGeom prst="ellipse">
@@ -4838,7 +4838,7 @@
           </p:nvSpPr>
           <p:spPr>
             <a:xfrm>
-              <a:off x="5366075" y="2477433"/>
+              <a:off x="5365996" y="2479282"/>
               <a:ext cx="49651" cy="49651"/>
             </a:xfrm>
             <a:prstGeom prst="ellipse">
@@ -4873,7 +4873,7 @@
           </p:nvSpPr>
           <p:spPr>
             <a:xfrm>
-              <a:off x="4991740" y="2477433"/>
+              <a:off x="4991463" y="2479282"/>
               <a:ext cx="49651" cy="49651"/>
             </a:xfrm>
             <a:prstGeom prst="ellipse">
@@ -4908,7 +4908,7 @@
           </p:nvSpPr>
           <p:spPr>
             <a:xfrm>
-              <a:off x="5366075" y="2477433"/>
+              <a:off x="5365996" y="2479282"/>
               <a:ext cx="49651" cy="49651"/>
             </a:xfrm>
             <a:prstGeom prst="ellipse">
@@ -4943,7 +4943,7 @@
           </p:nvSpPr>
           <p:spPr>
             <a:xfrm>
-              <a:off x="5366075" y="2477433"/>
+              <a:off x="5365996" y="2479282"/>
               <a:ext cx="49651" cy="49651"/>
             </a:xfrm>
             <a:prstGeom prst="ellipse">
@@ -4978,7 +4978,7 @@
           </p:nvSpPr>
           <p:spPr>
             <a:xfrm>
-              <a:off x="5366075" y="2477433"/>
+              <a:off x="5365996" y="2479282"/>
               <a:ext cx="49651" cy="49651"/>
             </a:xfrm>
             <a:prstGeom prst="ellipse">
@@ -5013,7 +5013,7 @@
           </p:nvSpPr>
           <p:spPr>
             <a:xfrm>
-              <a:off x="5366075" y="2477433"/>
+              <a:off x="5365996" y="2479282"/>
               <a:ext cx="49651" cy="49651"/>
             </a:xfrm>
             <a:prstGeom prst="ellipse">
@@ -5048,7 +5048,7 @@
           </p:nvSpPr>
           <p:spPr>
             <a:xfrm>
-              <a:off x="5066607" y="2477433"/>
+              <a:off x="5066369" y="2479282"/>
               <a:ext cx="49651" cy="49651"/>
             </a:xfrm>
             <a:prstGeom prst="ellipse">
@@ -5083,7 +5083,7 @@
           </p:nvSpPr>
           <p:spPr>
             <a:xfrm>
-              <a:off x="4626389" y="2477433"/>
+              <a:off x="4625918" y="2479282"/>
               <a:ext cx="49651" cy="49651"/>
             </a:xfrm>
             <a:prstGeom prst="ellipse">
@@ -5118,7 +5118,7 @@
           </p:nvSpPr>
           <p:spPr>
             <a:xfrm>
-              <a:off x="5366075" y="2477433"/>
+              <a:off x="5365996" y="2479282"/>
               <a:ext cx="49651" cy="49651"/>
             </a:xfrm>
             <a:prstGeom prst="ellipse">
@@ -5153,7 +5153,7 @@
           </p:nvSpPr>
           <p:spPr>
             <a:xfrm>
-              <a:off x="4991740" y="2477433"/>
+              <a:off x="4991463" y="2479282"/>
               <a:ext cx="49651" cy="49651"/>
             </a:xfrm>
             <a:prstGeom prst="ellipse">
@@ -5188,7 +5188,7 @@
           </p:nvSpPr>
           <p:spPr>
             <a:xfrm>
-              <a:off x="5366075" y="2477433"/>
+              <a:off x="5365996" y="2479282"/>
               <a:ext cx="49651" cy="49651"/>
             </a:xfrm>
             <a:prstGeom prst="ellipse">
@@ -5223,7 +5223,7 @@
           </p:nvSpPr>
           <p:spPr>
             <a:xfrm>
-              <a:off x="5366075" y="2477433"/>
+              <a:off x="5365996" y="2479282"/>
               <a:ext cx="49651" cy="49651"/>
             </a:xfrm>
             <a:prstGeom prst="ellipse">
@@ -5258,7 +5258,7 @@
           </p:nvSpPr>
           <p:spPr>
             <a:xfrm>
-              <a:off x="5366075" y="2477433"/>
+              <a:off x="5365996" y="2479282"/>
               <a:ext cx="49651" cy="49651"/>
             </a:xfrm>
             <a:prstGeom prst="ellipse">
@@ -5293,7 +5293,7 @@
           </p:nvSpPr>
           <p:spPr>
             <a:xfrm>
-              <a:off x="4767139" y="2477433"/>
+              <a:off x="4766743" y="2479282"/>
               <a:ext cx="49651" cy="49651"/>
             </a:xfrm>
             <a:prstGeom prst="ellipse">
@@ -5328,7 +5328,7 @@
           </p:nvSpPr>
           <p:spPr>
             <a:xfrm>
-              <a:off x="4699758" y="2477433"/>
+              <a:off x="4699326" y="2479282"/>
               <a:ext cx="49651" cy="49651"/>
             </a:xfrm>
             <a:prstGeom prst="ellipse">
@@ -5363,7 +5363,7 @@
           </p:nvSpPr>
           <p:spPr>
             <a:xfrm>
-              <a:off x="4991740" y="2477433"/>
+              <a:off x="4991463" y="2479282"/>
               <a:ext cx="49651" cy="49651"/>
             </a:xfrm>
             <a:prstGeom prst="ellipse">
@@ -5398,7 +5398,7 @@
           </p:nvSpPr>
           <p:spPr>
             <a:xfrm>
-              <a:off x="4991740" y="2477433"/>
+              <a:off x="4991463" y="2479282"/>
               <a:ext cx="49651" cy="49651"/>
             </a:xfrm>
             <a:prstGeom prst="ellipse">
@@ -5433,18 +5433,18 @@
           </p:nvSpPr>
           <p:spPr>
             <a:xfrm>
-              <a:off x="3519224" y="2502259"/>
-              <a:ext cx="1123006" cy="0"/>
+              <a:off x="3518155" y="2504107"/>
+              <a:ext cx="1123600" cy="0"/>
             </a:xfrm>
             <a:custGeom>
               <a:avLst/>
               <a:pathLst>
-                <a:path w="1123006" h="0">
+                <a:path w="1123600" h="0">
                   <a:moveTo>
                     <a:pt x="0" y="0"/>
                   </a:moveTo>
                   <a:lnTo>
-                    <a:pt x="1123006" y="0"/>
+                    <a:pt x="1123600" y="0"/>
                   </a:lnTo>
                 </a:path>
               </a:pathLst>
@@ -5473,15 +5473,15 @@
           </p:nvSpPr>
           <p:spPr>
             <a:xfrm>
-              <a:off x="2396218" y="2502259"/>
-              <a:ext cx="374335" cy="0"/>
+              <a:off x="2394554" y="2504107"/>
+              <a:ext cx="374533" cy="0"/>
             </a:xfrm>
             <a:custGeom>
               <a:avLst/>
               <a:pathLst>
-                <a:path w="374335" h="0">
+                <a:path w="374533" h="0">
                   <a:moveTo>
-                    <a:pt x="374335" y="0"/>
+                    <a:pt x="374533" y="0"/>
                   </a:moveTo>
                   <a:lnTo>
                     <a:pt x="0" y="0"/>
@@ -5513,24 +5513,24 @@
           </p:nvSpPr>
           <p:spPr>
             <a:xfrm>
-              <a:off x="2770554" y="2419123"/>
-              <a:ext cx="748670" cy="166272"/>
+              <a:off x="2769088" y="2419816"/>
+              <a:ext cx="749067" cy="168583"/>
             </a:xfrm>
             <a:custGeom>
               <a:avLst/>
               <a:pathLst>
-                <a:path w="748670" h="166272">
+                <a:path w="749067" h="168583">
                   <a:moveTo>
-                    <a:pt x="748670" y="166272"/>
+                    <a:pt x="749067" y="168583"/>
                   </a:moveTo>
                   <a:lnTo>
-                    <a:pt x="0" y="166272"/>
+                    <a:pt x="0" y="168583"/>
                   </a:lnTo>
                   <a:lnTo>
                     <a:pt x="0" y="0"/>
                   </a:lnTo>
                   <a:lnTo>
-                    <a:pt x="748670" y="0"/>
+                    <a:pt x="749067" y="0"/>
                   </a:lnTo>
                   <a:close/>
                 </a:path>
@@ -5565,15 +5565,15 @@
           </p:nvSpPr>
           <p:spPr>
             <a:xfrm>
-              <a:off x="3144889" y="2419123"/>
-              <a:ext cx="0" cy="166272"/>
+              <a:off x="3143621" y="2419816"/>
+              <a:ext cx="0" cy="168583"/>
             </a:xfrm>
             <a:custGeom>
               <a:avLst/>
               <a:pathLst>
-                <a:path w="0" h="166272">
+                <a:path w="0" h="168583">
                   <a:moveTo>
-                    <a:pt x="0" y="166272"/>
+                    <a:pt x="0" y="168583"/>
                   </a:moveTo>
                   <a:lnTo>
                     <a:pt x="0" y="0"/>
@@ -5605,8 +5605,8 @@
           </p:nvSpPr>
           <p:spPr>
             <a:xfrm>
-              <a:off x="2246484" y="2369241"/>
-              <a:ext cx="3294151" cy="266035"/>
+              <a:off x="2244741" y="2369241"/>
+              <a:ext cx="3295894" cy="269732"/>
             </a:xfrm>
             <a:prstGeom prst="rect">
               <a:avLst/>
@@ -5635,7 +5635,7 @@
           </p:nvSpPr>
           <p:spPr>
             <a:xfrm>
-              <a:off x="2211690" y="2502259"/>
+              <a:off x="2209946" y="2504107"/>
               <a:ext cx="34794" cy="0"/>
             </a:xfrm>
             <a:custGeom>
@@ -5675,7 +5675,7 @@
           </p:nvSpPr>
           <p:spPr>
             <a:xfrm>
-              <a:off x="2396218" y="2635277"/>
+              <a:off x="2394554" y="2638974"/>
               <a:ext cx="0" cy="34794"/>
             </a:xfrm>
             <a:custGeom>
@@ -5715,7 +5715,7 @@
           </p:nvSpPr>
           <p:spPr>
             <a:xfrm>
-              <a:off x="3144889" y="2635277"/>
+              <a:off x="3143621" y="2638974"/>
               <a:ext cx="0" cy="34794"/>
             </a:xfrm>
             <a:custGeom>
@@ -5755,7 +5755,7 @@
           </p:nvSpPr>
           <p:spPr>
             <a:xfrm>
-              <a:off x="3893560" y="2635277"/>
+              <a:off x="3892688" y="2638974"/>
               <a:ext cx="0" cy="34794"/>
             </a:xfrm>
             <a:custGeom>
@@ -5795,7 +5795,7 @@
           </p:nvSpPr>
           <p:spPr>
             <a:xfrm>
-              <a:off x="4642231" y="2635277"/>
+              <a:off x="4641755" y="2638974"/>
               <a:ext cx="0" cy="34794"/>
             </a:xfrm>
             <a:custGeom>
@@ -5835,7 +5835,7 @@
           </p:nvSpPr>
           <p:spPr>
             <a:xfrm>
-              <a:off x="5390901" y="2635277"/>
+              <a:off x="5390822" y="2638974"/>
               <a:ext cx="0" cy="34794"/>
             </a:xfrm>
             <a:custGeom>
@@ -5875,7 +5875,7 @@
           </p:nvSpPr>
           <p:spPr>
             <a:xfrm>
-              <a:off x="2369506" y="2696761"/>
+              <a:off x="2367842" y="2700458"/>
               <a:ext cx="53424" cy="79126"/>
             </a:xfrm>
             <a:custGeom>
@@ -6386,7 +6386,7 @@
           </p:nvSpPr>
           <p:spPr>
             <a:xfrm>
-              <a:off x="2379438" y="2704728"/>
+              <a:off x="2377774" y="2708425"/>
               <a:ext cx="33506" cy="63137"/>
             </a:xfrm>
             <a:custGeom>
@@ -6897,7 +6897,7 @@
           </p:nvSpPr>
           <p:spPr>
             <a:xfrm>
-              <a:off x="3091246" y="2697907"/>
+              <a:off x="3089978" y="2701604"/>
               <a:ext cx="48185" cy="76889"/>
             </a:xfrm>
             <a:custGeom>
@@ -6961,7 +6961,7 @@
           </p:nvSpPr>
           <p:spPr>
             <a:xfrm>
-              <a:off x="3149255" y="2696761"/>
+              <a:off x="3147987" y="2700458"/>
               <a:ext cx="53424" cy="79126"/>
             </a:xfrm>
             <a:custGeom>
@@ -7472,7 +7472,7 @@
           </p:nvSpPr>
           <p:spPr>
             <a:xfrm>
-              <a:off x="3159186" y="2704728"/>
+              <a:off x="3157918" y="2708425"/>
               <a:ext cx="33506" cy="63137"/>
             </a:xfrm>
             <a:custGeom>
@@ -7983,7 +7983,7 @@
           </p:nvSpPr>
           <p:spPr>
             <a:xfrm>
-              <a:off x="3837025" y="2696761"/>
+              <a:off x="3836153" y="2700458"/>
               <a:ext cx="50914" cy="78035"/>
             </a:xfrm>
             <a:custGeom>
@@ -8929,7 +8929,7 @@
           </p:nvSpPr>
           <p:spPr>
             <a:xfrm>
-              <a:off x="3897925" y="2696761"/>
+              <a:off x="3897054" y="2700458"/>
               <a:ext cx="53424" cy="79126"/>
             </a:xfrm>
             <a:custGeom>
@@ -9440,7 +9440,7 @@
           </p:nvSpPr>
           <p:spPr>
             <a:xfrm>
-              <a:off x="3907857" y="2704728"/>
+              <a:off x="3906985" y="2708425"/>
               <a:ext cx="33506" cy="63137"/>
             </a:xfrm>
             <a:custGeom>
@@ -9951,7 +9951,7 @@
           </p:nvSpPr>
           <p:spPr>
             <a:xfrm>
-              <a:off x="4584331" y="2696761"/>
+              <a:off x="4583856" y="2700458"/>
               <a:ext cx="52987" cy="79126"/>
             </a:xfrm>
             <a:custGeom>
@@ -10601,7 +10601,7 @@
                     <a:pt x="38801" y="28442"/>
                   </a:lnTo>
                   <a:lnTo>
-                    <a:pt x="39126" y="27939"/>
+                    <a:pt x="39126" y="27940"/>
                   </a:lnTo>
                   <a:lnTo>
                     <a:pt x="39437" y="27412"/>
@@ -11260,7 +11260,7 @@
           </p:nvSpPr>
           <p:spPr>
             <a:xfrm>
-              <a:off x="4646596" y="2696761"/>
+              <a:off x="4646121" y="2700458"/>
               <a:ext cx="53424" cy="79126"/>
             </a:xfrm>
             <a:custGeom>
@@ -11771,7 +11771,7 @@
           </p:nvSpPr>
           <p:spPr>
             <a:xfrm>
-              <a:off x="4656528" y="2704728"/>
+              <a:off x="4656052" y="2708425"/>
               <a:ext cx="33506" cy="63137"/>
             </a:xfrm>
             <a:custGeom>
@@ -12282,7 +12282,7 @@
           </p:nvSpPr>
           <p:spPr>
             <a:xfrm>
-              <a:off x="5331311" y="2697907"/>
+              <a:off x="5331231" y="2701604"/>
               <a:ext cx="56316" cy="76889"/>
             </a:xfrm>
             <a:custGeom>
@@ -12346,7 +12346,7 @@
           </p:nvSpPr>
           <p:spPr>
             <a:xfrm>
-              <a:off x="5340369" y="2709634"/>
+              <a:off x="5340290" y="2713331"/>
               <a:ext cx="27176" cy="40005"/>
             </a:xfrm>
             <a:custGeom>
@@ -12560,7 +12560,7 @@
           </p:nvSpPr>
           <p:spPr>
             <a:xfrm>
-              <a:off x="5395267" y="2696761"/>
+              <a:off x="5395188" y="2700458"/>
               <a:ext cx="53424" cy="79126"/>
             </a:xfrm>
             <a:custGeom>
@@ -13071,7 +13071,7 @@
           </p:nvSpPr>
           <p:spPr>
             <a:xfrm>
-              <a:off x="5405199" y="2704728"/>
+              <a:off x="5405119" y="2708425"/>
               <a:ext cx="33506" cy="63137"/>
             </a:xfrm>
             <a:custGeom>
@@ -13582,7 +13582,7 @@
           </p:nvSpPr>
           <p:spPr>
             <a:xfrm>
-              <a:off x="3549767" y="2817888"/>
+              <a:off x="3548895" y="2819632"/>
               <a:ext cx="44201" cy="125511"/>
             </a:xfrm>
             <a:custGeom>
@@ -13718,7 +13718,7 @@
           </p:nvSpPr>
           <p:spPr>
             <a:xfrm>
-              <a:off x="3583055" y="2817888"/>
+              <a:off x="3582183" y="2819632"/>
               <a:ext cx="95498" cy="57298"/>
             </a:xfrm>
             <a:custGeom>
@@ -13879,7 +13879,7 @@
                     <a:pt x="36747" y="14864"/>
                   </a:lnTo>
                   <a:lnTo>
-                    <a:pt x="40512" y="9953"/>
+                    <a:pt x="40513" y="9953"/>
                   </a:lnTo>
                   <a:lnTo>
                     <a:pt x="43907" y="4998"/>
@@ -13908,7 +13908,7 @@
           </p:nvSpPr>
           <p:spPr>
             <a:xfrm>
-              <a:off x="3644719" y="2868639"/>
+              <a:off x="3643847" y="2870382"/>
               <a:ext cx="10914" cy="75307"/>
             </a:xfrm>
             <a:custGeom>
@@ -13951,7 +13951,7 @@
           </p:nvSpPr>
           <p:spPr>
             <a:xfrm>
-              <a:off x="3585238" y="2869730"/>
+              <a:off x="3584366" y="2871474"/>
               <a:ext cx="30013" cy="74215"/>
             </a:xfrm>
             <a:custGeom>
@@ -14084,7 +14084,7 @@
           </p:nvSpPr>
           <p:spPr>
             <a:xfrm>
-              <a:off x="3688921" y="2817888"/>
+              <a:off x="3688049" y="2819632"/>
               <a:ext cx="50204" cy="125511"/>
             </a:xfrm>
             <a:custGeom>
@@ -14280,7 +14280,7 @@
           </p:nvSpPr>
           <p:spPr>
             <a:xfrm>
-              <a:off x="3741309" y="2817343"/>
+              <a:off x="3740437" y="2819086"/>
               <a:ext cx="76398" cy="74215"/>
             </a:xfrm>
             <a:custGeom>
@@ -14599,7 +14599,7 @@
           </p:nvSpPr>
           <p:spPr>
             <a:xfrm>
-              <a:off x="3763137" y="2840262"/>
+              <a:off x="3762265" y="2842006"/>
               <a:ext cx="32196" cy="21828"/>
             </a:xfrm>
             <a:custGeom>
@@ -14696,7 +14696,7 @@
           </p:nvSpPr>
           <p:spPr>
             <a:xfrm>
-              <a:off x="3749494" y="2893195"/>
+              <a:off x="3748622" y="2894939"/>
               <a:ext cx="57844" cy="50204"/>
             </a:xfrm>
             <a:custGeom>
@@ -14751,7 +14751,7 @@
           </p:nvSpPr>
           <p:spPr>
             <a:xfrm>
-              <a:off x="3759863" y="2902472"/>
+              <a:off x="3758991" y="2904216"/>
               <a:ext cx="37107" cy="23465"/>
             </a:xfrm>
             <a:custGeom>
@@ -14794,7 +14794,7 @@
           </p:nvSpPr>
           <p:spPr>
             <a:xfrm>
-              <a:off x="3877189" y="2830985"/>
+              <a:off x="3876317" y="2832729"/>
               <a:ext cx="49113" cy="121691"/>
             </a:xfrm>
             <a:custGeom>
@@ -15011,7 +15011,7 @@
           </p:nvSpPr>
           <p:spPr>
             <a:xfrm>
-              <a:off x="3983055" y="2826620"/>
+              <a:off x="3982183" y="2828363"/>
               <a:ext cx="100409" cy="10368"/>
             </a:xfrm>
             <a:custGeom>
@@ -15054,7 +15054,7 @@
           </p:nvSpPr>
           <p:spPr>
             <a:xfrm>
-              <a:off x="3969958" y="2863182"/>
+              <a:off x="3969086" y="2864925"/>
               <a:ext cx="126603" cy="80218"/>
             </a:xfrm>
             <a:custGeom>
@@ -15131,7 +15131,7 @@
                     <a:pt x="88818" y="67634"/>
                   </a:lnTo>
                   <a:lnTo>
-                    <a:pt x="89407" y="67659"/>
+                    <a:pt x="89408" y="67659"/>
                   </a:lnTo>
                   <a:lnTo>
                     <a:pt x="90041" y="67667"/>
@@ -15535,7 +15535,7 @@
           </p:nvSpPr>
           <p:spPr>
             <a:xfrm>
-              <a:off x="4140218" y="2830985"/>
+              <a:off x="4139346" y="2832729"/>
               <a:ext cx="49113" cy="121691"/>
             </a:xfrm>
             <a:custGeom>
